--- a/data/Streak and points.pptx
+++ b/data/Streak and points.pptx
@@ -104,6 +104,20 @@
       </a:defRPr>
     </a:lvl9pPr>
   </p:defaultTextStyle>
+  <p:extLst>
+    <p:ext uri="{521415D9-36F7-43E2-AB2F-B90AF26B5E84}">
+      <p14:sectionLst xmlns:p14="http://schemas.microsoft.com/office/powerpoint/2010/main">
+        <p14:section name="Leveling und Exp curve" id="{C215A535-506F-4641-914D-5B3A31BF75BD}">
+          <p14:sldIdLst>
+            <p14:sldId id="256"/>
+          </p14:sldIdLst>
+        </p14:section>
+      </p14:sectionLst>
+    </p:ext>
+    <p:ext uri="{EFAFB233-063F-42B5-8137-9DF3F51BA10A}">
+      <p15:sldGuideLst xmlns:p15="http://schemas.microsoft.com/office/powerpoint/2012/main"/>
+    </p:ext>
+  </p:extLst>
 </p:presentation>
 </file>
 
@@ -3367,50 +3381,6 @@
       </p:sp>
       <p:sp>
         <p:nvSpPr>
-          <p:cNvPr id="5" name="Textfeld 4">
-            <a:extLst>
-              <a:ext uri="{FF2B5EF4-FFF2-40B4-BE49-F238E27FC236}">
-                <a16:creationId xmlns:a16="http://schemas.microsoft.com/office/drawing/2014/main" id="{B09CBCF4-133F-03BF-BE61-A7AEA9E204E9}"/>
-              </a:ext>
-            </a:extLst>
-          </p:cNvPr>
-          <p:cNvSpPr txBox="1"/>
-          <p:nvPr/>
-        </p:nvSpPr>
-        <p:spPr>
-          <a:xfrm>
-            <a:off x="8825619" y="334978"/>
-            <a:ext cx="1984219" cy="369332"/>
-          </a:xfrm>
-          <a:prstGeom prst="rect">
-            <a:avLst/>
-          </a:prstGeom>
-          <a:noFill/>
-        </p:spPr>
-        <p:txBody>
-          <a:bodyPr wrap="square" rtlCol="0">
-            <a:spAutoFit/>
-          </a:bodyPr>
-          <a:lstStyle/>
-          <a:p>
-            <a:r>
-              <a:rPr lang="de-DE" b="1" dirty="0" err="1"/>
-              <a:t>streaks</a:t>
-            </a:r>
-            <a:r>
-              <a:rPr lang="de-DE" b="1" dirty="0"/>
-              <a:t> </a:t>
-            </a:r>
-            <a:r>
-              <a:rPr lang="de-DE" b="1" dirty="0" err="1"/>
-              <a:t>system</a:t>
-            </a:r>
-            <a:endParaRPr lang="de-DE" b="1" dirty="0"/>
-          </a:p>
-        </p:txBody>
-      </p:sp>
-      <p:sp>
-        <p:nvSpPr>
           <p:cNvPr id="6" name="Textfeld 5">
             <a:extLst>
               <a:ext uri="{FF2B5EF4-FFF2-40B4-BE49-F238E27FC236}">
@@ -4059,7 +4029,7 @@
         </p:nvSpPr>
         <p:spPr>
           <a:xfrm>
-            <a:off x="4908504" y="731299"/>
+            <a:off x="4893665" y="713763"/>
             <a:ext cx="2720553" cy="369332"/>
           </a:xfrm>
           <a:prstGeom prst="rect">
@@ -4102,7 +4072,7 @@
         </p:blipFill>
         <p:spPr>
           <a:xfrm>
-            <a:off x="4912764" y="1063770"/>
+            <a:off x="4897925" y="1078776"/>
             <a:ext cx="2716293" cy="795856"/>
           </a:xfrm>
           <a:prstGeom prst="rect">
@@ -4316,6 +4286,76 @@
             <a:r>
               <a:rPr lang="de-DE" dirty="0"/>
               <a:t>alle</a:t>
+            </a:r>
+          </a:p>
+        </p:txBody>
+      </p:sp>
+      <p:sp>
+        <p:nvSpPr>
+          <p:cNvPr id="2" name="Textfeld 1">
+            <a:extLst>
+              <a:ext uri="{FF2B5EF4-FFF2-40B4-BE49-F238E27FC236}">
+                <a16:creationId xmlns:a16="http://schemas.microsoft.com/office/drawing/2014/main" id="{4CB3E626-2930-06A3-57E1-C19FBB3361B5}"/>
+              </a:ext>
+            </a:extLst>
+          </p:cNvPr>
+          <p:cNvSpPr txBox="1"/>
+          <p:nvPr/>
+        </p:nvSpPr>
+        <p:spPr>
+          <a:xfrm>
+            <a:off x="5851235" y="338553"/>
+            <a:ext cx="836832" cy="369332"/>
+          </a:xfrm>
+          <a:prstGeom prst="rect">
+            <a:avLst/>
+          </a:prstGeom>
+          <a:noFill/>
+        </p:spPr>
+        <p:txBody>
+          <a:bodyPr wrap="none" rtlCol="0">
+            <a:spAutoFit/>
+          </a:bodyPr>
+          <a:lstStyle/>
+          <a:p>
+            <a:r>
+              <a:rPr lang="de-DE" b="1" dirty="0"/>
+              <a:t>Vers.1:</a:t>
+            </a:r>
+          </a:p>
+        </p:txBody>
+      </p:sp>
+      <p:sp>
+        <p:nvSpPr>
+          <p:cNvPr id="3" name="Textfeld 2">
+            <a:extLst>
+              <a:ext uri="{FF2B5EF4-FFF2-40B4-BE49-F238E27FC236}">
+                <a16:creationId xmlns:a16="http://schemas.microsoft.com/office/drawing/2014/main" id="{A6E1838B-8306-6BFC-2680-8657ACBE34F2}"/>
+              </a:ext>
+            </a:extLst>
+          </p:cNvPr>
+          <p:cNvSpPr txBox="1"/>
+          <p:nvPr/>
+        </p:nvSpPr>
+        <p:spPr>
+          <a:xfrm>
+            <a:off x="9943246" y="331412"/>
+            <a:ext cx="836832" cy="369332"/>
+          </a:xfrm>
+          <a:prstGeom prst="rect">
+            <a:avLst/>
+          </a:prstGeom>
+          <a:noFill/>
+        </p:spPr>
+        <p:txBody>
+          <a:bodyPr wrap="none" rtlCol="0">
+            <a:spAutoFit/>
+          </a:bodyPr>
+          <a:lstStyle/>
+          <a:p>
+            <a:r>
+              <a:rPr lang="de-DE" b="1" dirty="0"/>
+              <a:t>Vers.2:</a:t>
             </a:r>
           </a:p>
         </p:txBody>

--- a/data/Streak and points.pptx
+++ b/data/Streak and points.pptx
@@ -3393,7 +3393,7 @@
         </p:nvSpPr>
         <p:spPr>
           <a:xfrm>
-            <a:off x="715223" y="915965"/>
+            <a:off x="767042" y="874539"/>
             <a:ext cx="1747318" cy="369332"/>
           </a:xfrm>
           <a:prstGeom prst="rect">
@@ -3518,7 +3518,7 @@
         <p:spPr>
           <a:xfrm>
             <a:off x="4821170" y="1992940"/>
-            <a:ext cx="4282290" cy="646331"/>
+            <a:ext cx="4282290" cy="584775"/>
           </a:xfrm>
           <a:prstGeom prst="rect">
             <a:avLst/>
@@ -3532,20 +3532,20 @@
           <a:lstStyle/>
           <a:p>
             <a:r>
-              <a:rPr lang="de-DE" dirty="0"/>
+              <a:rPr lang="de-DE" sz="1600" dirty="0"/>
               <a:t>30min Joggen (mit versch. Intensität) </a:t>
             </a:r>
           </a:p>
           <a:p>
             <a:r>
-              <a:rPr lang="de-DE" b="0" i="0" dirty="0">
+              <a:rPr lang="de-DE" sz="1600" b="0" i="0" dirty="0">
                 <a:effectLst/>
                 <a:latin typeface="arial" panose="020B0604020202020204" pitchFamily="34" charset="0"/>
               </a:rPr>
               <a:t>≈</a:t>
             </a:r>
             <a:r>
-              <a:rPr lang="de-DE" b="0" i="0" dirty="0">
+              <a:rPr lang="de-DE" sz="1600" b="0" i="0" dirty="0">
                 <a:solidFill>
                   <a:srgbClr val="BDC1C6"/>
                 </a:solidFill>
@@ -3555,7 +3555,7 @@
               <a:t> </a:t>
             </a:r>
             <a:r>
-              <a:rPr lang="de-DE" dirty="0"/>
+              <a:rPr lang="de-DE" sz="1600" dirty="0"/>
               <a:t>480 kcal = 20,42 Punkte </a:t>
             </a:r>
           </a:p>
@@ -4044,8 +4044,12 @@
           <a:lstStyle/>
           <a:p>
             <a:r>
+              <a:rPr lang="de-DE" dirty="0" err="1"/>
+              <a:t>Levelcurve</a:t>
+            </a:r>
+            <a:r>
               <a:rPr lang="de-DE" dirty="0"/>
-              <a:t>Levelcurve durch Funktion:</a:t>
+              <a:t> durch Funktion:</a:t>
             </a:r>
           </a:p>
         </p:txBody>
@@ -4270,7 +4274,7 @@
         <p:spPr>
           <a:xfrm>
             <a:off x="6201416" y="5828336"/>
-            <a:ext cx="540599" cy="369332"/>
+            <a:ext cx="2602463" cy="369332"/>
           </a:xfrm>
           <a:prstGeom prst="rect">
             <a:avLst/>
@@ -4285,7 +4289,7 @@
           <a:p>
             <a:r>
               <a:rPr lang="de-DE" dirty="0"/>
-              <a:t>alle</a:t>
+              <a:t>alle + 30 oder so</a:t>
             </a:r>
           </a:p>
         </p:txBody>
@@ -4357,6 +4361,908 @@
               <a:rPr lang="de-DE" b="1" dirty="0"/>
               <a:t>Vers.2:</a:t>
             </a:r>
+          </a:p>
+        </p:txBody>
+      </p:sp>
+      <p:sp>
+        <p:nvSpPr>
+          <p:cNvPr id="5" name="Textfeld 4">
+            <a:extLst>
+              <a:ext uri="{FF2B5EF4-FFF2-40B4-BE49-F238E27FC236}">
+                <a16:creationId xmlns:a16="http://schemas.microsoft.com/office/drawing/2014/main" id="{ABE0291A-317D-5405-BEC9-DA7D35AF045A}"/>
+              </a:ext>
+            </a:extLst>
+          </p:cNvPr>
+          <p:cNvSpPr txBox="1"/>
+          <p:nvPr/>
+        </p:nvSpPr>
+        <p:spPr>
+          <a:xfrm>
+            <a:off x="8760240" y="707885"/>
+            <a:ext cx="2957797" cy="369332"/>
+          </a:xfrm>
+          <a:prstGeom prst="rect">
+            <a:avLst/>
+          </a:prstGeom>
+          <a:noFill/>
+        </p:spPr>
+        <p:txBody>
+          <a:bodyPr wrap="none" rtlCol="0">
+            <a:spAutoFit/>
+          </a:bodyPr>
+          <a:lstStyle/>
+          <a:p>
+            <a:r>
+              <a:rPr lang="de-DE" dirty="0" err="1"/>
+              <a:t>Levelcurve</a:t>
+            </a:r>
+            <a:r>
+              <a:rPr lang="de-DE" dirty="0"/>
+              <a:t> durch Funktionen:</a:t>
+            </a:r>
+          </a:p>
+        </p:txBody>
+      </p:sp>
+      <p:sp>
+        <p:nvSpPr>
+          <p:cNvPr id="35" name="Rahmen 34">
+            <a:extLst>
+              <a:ext uri="{FF2B5EF4-FFF2-40B4-BE49-F238E27FC236}">
+                <a16:creationId xmlns:a16="http://schemas.microsoft.com/office/drawing/2014/main" id="{CFDB11EB-0136-F165-49AB-A99F99EDB85B}"/>
+              </a:ext>
+            </a:extLst>
+          </p:cNvPr>
+          <p:cNvSpPr/>
+          <p:nvPr/>
+        </p:nvSpPr>
+        <p:spPr>
+          <a:xfrm>
+            <a:off x="9191392" y="2904156"/>
+            <a:ext cx="778599" cy="3769360"/>
+          </a:xfrm>
+          <a:prstGeom prst="frame">
+            <a:avLst>
+              <a:gd name="adj1" fmla="val 5523"/>
+            </a:avLst>
+          </a:prstGeom>
+        </p:spPr>
+        <p:style>
+          <a:lnRef idx="2">
+            <a:schemeClr val="accent1">
+              <a:shade val="50000"/>
+            </a:schemeClr>
+          </a:lnRef>
+          <a:fillRef idx="1">
+            <a:schemeClr val="accent1"/>
+          </a:fillRef>
+          <a:effectRef idx="0">
+            <a:schemeClr val="accent1"/>
+          </a:effectRef>
+          <a:fontRef idx="minor">
+            <a:schemeClr val="lt1"/>
+          </a:fontRef>
+        </p:style>
+        <p:txBody>
+          <a:bodyPr rtlCol="0" anchor="ctr"/>
+          <a:lstStyle/>
+          <a:p>
+            <a:pPr algn="ctr"/>
+            <a:endParaRPr lang="de-DE">
+              <a:solidFill>
+                <a:schemeClr val="tx1"/>
+              </a:solidFill>
+            </a:endParaRPr>
+          </a:p>
+        </p:txBody>
+      </p:sp>
+      <p:sp>
+        <p:nvSpPr>
+          <p:cNvPr id="36" name="Textfeld 35">
+            <a:extLst>
+              <a:ext uri="{FF2B5EF4-FFF2-40B4-BE49-F238E27FC236}">
+                <a16:creationId xmlns:a16="http://schemas.microsoft.com/office/drawing/2014/main" id="{B3078EF0-6287-5926-8EC8-765DD5C89FA7}"/>
+              </a:ext>
+            </a:extLst>
+          </p:cNvPr>
+          <p:cNvSpPr txBox="1"/>
+          <p:nvPr/>
+        </p:nvSpPr>
+        <p:spPr>
+          <a:xfrm>
+            <a:off x="9430272" y="3290014"/>
+            <a:ext cx="325924" cy="369332"/>
+          </a:xfrm>
+          <a:prstGeom prst="rect">
+            <a:avLst/>
+          </a:prstGeom>
+          <a:noFill/>
+        </p:spPr>
+        <p:txBody>
+          <a:bodyPr wrap="square" rtlCol="0">
+            <a:spAutoFit/>
+          </a:bodyPr>
+          <a:lstStyle/>
+          <a:p>
+            <a:r>
+              <a:rPr lang="de-DE" dirty="0"/>
+              <a:t>1</a:t>
+            </a:r>
+          </a:p>
+        </p:txBody>
+      </p:sp>
+      <p:sp>
+        <p:nvSpPr>
+          <p:cNvPr id="37" name="Textfeld 36">
+            <a:extLst>
+              <a:ext uri="{FF2B5EF4-FFF2-40B4-BE49-F238E27FC236}">
+                <a16:creationId xmlns:a16="http://schemas.microsoft.com/office/drawing/2014/main" id="{73C8B647-2D95-5769-82C6-7ACC9D71456C}"/>
+              </a:ext>
+            </a:extLst>
+          </p:cNvPr>
+          <p:cNvSpPr txBox="1"/>
+          <p:nvPr/>
+        </p:nvSpPr>
+        <p:spPr>
+          <a:xfrm>
+            <a:off x="9430272" y="3655170"/>
+            <a:ext cx="325924" cy="369332"/>
+          </a:xfrm>
+          <a:prstGeom prst="rect">
+            <a:avLst/>
+          </a:prstGeom>
+          <a:noFill/>
+        </p:spPr>
+        <p:txBody>
+          <a:bodyPr wrap="square" rtlCol="0">
+            <a:spAutoFit/>
+          </a:bodyPr>
+          <a:lstStyle/>
+          <a:p>
+            <a:r>
+              <a:rPr lang="de-DE" dirty="0"/>
+              <a:t>2</a:t>
+            </a:r>
+          </a:p>
+        </p:txBody>
+      </p:sp>
+      <p:sp>
+        <p:nvSpPr>
+          <p:cNvPr id="39" name="Textfeld 38">
+            <a:extLst>
+              <a:ext uri="{FF2B5EF4-FFF2-40B4-BE49-F238E27FC236}">
+                <a16:creationId xmlns:a16="http://schemas.microsoft.com/office/drawing/2014/main" id="{8FA82586-8717-10E8-1461-5A7E624E8A1D}"/>
+              </a:ext>
+            </a:extLst>
+          </p:cNvPr>
+          <p:cNvSpPr txBox="1"/>
+          <p:nvPr/>
+        </p:nvSpPr>
+        <p:spPr>
+          <a:xfrm>
+            <a:off x="9417732" y="4074189"/>
+            <a:ext cx="325924" cy="369332"/>
+          </a:xfrm>
+          <a:prstGeom prst="rect">
+            <a:avLst/>
+          </a:prstGeom>
+          <a:noFill/>
+        </p:spPr>
+        <p:txBody>
+          <a:bodyPr wrap="square" rtlCol="0">
+            <a:spAutoFit/>
+          </a:bodyPr>
+          <a:lstStyle/>
+          <a:p>
+            <a:r>
+              <a:rPr lang="de-DE" dirty="0"/>
+              <a:t>5</a:t>
+            </a:r>
+          </a:p>
+        </p:txBody>
+      </p:sp>
+      <p:sp>
+        <p:nvSpPr>
+          <p:cNvPr id="40" name="Textfeld 39">
+            <a:extLst>
+              <a:ext uri="{FF2B5EF4-FFF2-40B4-BE49-F238E27FC236}">
+                <a16:creationId xmlns:a16="http://schemas.microsoft.com/office/drawing/2014/main" id="{3CF00927-F484-D92E-12AD-7E90ACA11BF9}"/>
+              </a:ext>
+            </a:extLst>
+          </p:cNvPr>
+          <p:cNvSpPr txBox="1"/>
+          <p:nvPr/>
+        </p:nvSpPr>
+        <p:spPr>
+          <a:xfrm>
+            <a:off x="9345973" y="4937182"/>
+            <a:ext cx="442109" cy="369332"/>
+          </a:xfrm>
+          <a:prstGeom prst="rect">
+            <a:avLst/>
+          </a:prstGeom>
+          <a:noFill/>
+        </p:spPr>
+        <p:txBody>
+          <a:bodyPr wrap="square" rtlCol="0">
+            <a:spAutoFit/>
+          </a:bodyPr>
+          <a:lstStyle/>
+          <a:p>
+            <a:r>
+              <a:rPr lang="de-DE" dirty="0"/>
+              <a:t>15</a:t>
+            </a:r>
+          </a:p>
+        </p:txBody>
+      </p:sp>
+      <p:sp>
+        <p:nvSpPr>
+          <p:cNvPr id="41" name="Rahmen 40">
+            <a:extLst>
+              <a:ext uri="{FF2B5EF4-FFF2-40B4-BE49-F238E27FC236}">
+                <a16:creationId xmlns:a16="http://schemas.microsoft.com/office/drawing/2014/main" id="{18EFB76B-8779-593E-1A5F-E20EE41951B7}"/>
+              </a:ext>
+            </a:extLst>
+          </p:cNvPr>
+          <p:cNvSpPr/>
+          <p:nvPr/>
+        </p:nvSpPr>
+        <p:spPr>
+          <a:xfrm>
+            <a:off x="10133664" y="2916682"/>
+            <a:ext cx="1096978" cy="3756834"/>
+          </a:xfrm>
+          <a:prstGeom prst="frame">
+            <a:avLst>
+              <a:gd name="adj1" fmla="val 5523"/>
+            </a:avLst>
+          </a:prstGeom>
+        </p:spPr>
+        <p:style>
+          <a:lnRef idx="2">
+            <a:schemeClr val="accent1">
+              <a:shade val="50000"/>
+            </a:schemeClr>
+          </a:lnRef>
+          <a:fillRef idx="1">
+            <a:schemeClr val="accent1"/>
+          </a:fillRef>
+          <a:effectRef idx="0">
+            <a:schemeClr val="accent1"/>
+          </a:effectRef>
+          <a:fontRef idx="minor">
+            <a:schemeClr val="lt1"/>
+          </a:fontRef>
+        </p:style>
+        <p:txBody>
+          <a:bodyPr rtlCol="0" anchor="ctr"/>
+          <a:lstStyle/>
+          <a:p>
+            <a:pPr algn="ctr"/>
+            <a:endParaRPr lang="de-DE">
+              <a:solidFill>
+                <a:schemeClr val="tx1"/>
+              </a:solidFill>
+            </a:endParaRPr>
+          </a:p>
+        </p:txBody>
+      </p:sp>
+      <p:sp>
+        <p:nvSpPr>
+          <p:cNvPr id="42" name="Textfeld 41">
+            <a:extLst>
+              <a:ext uri="{FF2B5EF4-FFF2-40B4-BE49-F238E27FC236}">
+                <a16:creationId xmlns:a16="http://schemas.microsoft.com/office/drawing/2014/main" id="{145299A8-BF3C-B413-0ECB-62AC39207E53}"/>
+              </a:ext>
+            </a:extLst>
+          </p:cNvPr>
+          <p:cNvSpPr txBox="1"/>
+          <p:nvPr/>
+        </p:nvSpPr>
+        <p:spPr>
+          <a:xfrm>
+            <a:off x="10500488" y="3226820"/>
+            <a:ext cx="440599" cy="369332"/>
+          </a:xfrm>
+          <a:prstGeom prst="rect">
+            <a:avLst/>
+          </a:prstGeom>
+          <a:noFill/>
+        </p:spPr>
+        <p:txBody>
+          <a:bodyPr wrap="square" rtlCol="0">
+            <a:spAutoFit/>
+          </a:bodyPr>
+          <a:lstStyle/>
+          <a:p>
+            <a:r>
+              <a:rPr lang="de-DE" dirty="0"/>
+              <a:t>0</a:t>
+            </a:r>
+          </a:p>
+        </p:txBody>
+      </p:sp>
+      <p:sp>
+        <p:nvSpPr>
+          <p:cNvPr id="43" name="Textfeld 42">
+            <a:extLst>
+              <a:ext uri="{FF2B5EF4-FFF2-40B4-BE49-F238E27FC236}">
+                <a16:creationId xmlns:a16="http://schemas.microsoft.com/office/drawing/2014/main" id="{F3288E44-3CB0-C1BC-A417-7C34CFB1F770}"/>
+              </a:ext>
+            </a:extLst>
+          </p:cNvPr>
+          <p:cNvSpPr txBox="1"/>
+          <p:nvPr/>
+        </p:nvSpPr>
+        <p:spPr>
+          <a:xfrm>
+            <a:off x="10461938" y="3655170"/>
+            <a:ext cx="746924" cy="369332"/>
+          </a:xfrm>
+          <a:prstGeom prst="rect">
+            <a:avLst/>
+          </a:prstGeom>
+          <a:noFill/>
+        </p:spPr>
+        <p:txBody>
+          <a:bodyPr wrap="square" rtlCol="0">
+            <a:spAutoFit/>
+          </a:bodyPr>
+          <a:lstStyle/>
+          <a:p>
+            <a:r>
+              <a:rPr lang="de-DE" dirty="0"/>
+              <a:t>21</a:t>
+            </a:r>
+          </a:p>
+        </p:txBody>
+      </p:sp>
+      <p:sp>
+        <p:nvSpPr>
+          <p:cNvPr id="44" name="Textfeld 43">
+            <a:extLst>
+              <a:ext uri="{FF2B5EF4-FFF2-40B4-BE49-F238E27FC236}">
+                <a16:creationId xmlns:a16="http://schemas.microsoft.com/office/drawing/2014/main" id="{3E823212-FA54-34BD-DBDD-A95596B688AE}"/>
+              </a:ext>
+            </a:extLst>
+          </p:cNvPr>
+          <p:cNvSpPr txBox="1"/>
+          <p:nvPr/>
+        </p:nvSpPr>
+        <p:spPr>
+          <a:xfrm>
+            <a:off x="10414417" y="4125222"/>
+            <a:ext cx="989849" cy="369332"/>
+          </a:xfrm>
+          <a:prstGeom prst="rect">
+            <a:avLst/>
+          </a:prstGeom>
+          <a:noFill/>
+        </p:spPr>
+        <p:txBody>
+          <a:bodyPr wrap="square" rtlCol="0">
+            <a:spAutoFit/>
+          </a:bodyPr>
+          <a:lstStyle/>
+          <a:p>
+            <a:r>
+              <a:rPr lang="de-DE" dirty="0"/>
+              <a:t>25</a:t>
+            </a:r>
+          </a:p>
+        </p:txBody>
+      </p:sp>
+      <p:sp>
+        <p:nvSpPr>
+          <p:cNvPr id="45" name="Textfeld 44">
+            <a:extLst>
+              <a:ext uri="{FF2B5EF4-FFF2-40B4-BE49-F238E27FC236}">
+                <a16:creationId xmlns:a16="http://schemas.microsoft.com/office/drawing/2014/main" id="{4AD8FBE9-AB43-813E-0C82-40B9E3248227}"/>
+              </a:ext>
+            </a:extLst>
+          </p:cNvPr>
+          <p:cNvSpPr txBox="1"/>
+          <p:nvPr/>
+        </p:nvSpPr>
+        <p:spPr>
+          <a:xfrm>
+            <a:off x="10414417" y="4559453"/>
+            <a:ext cx="1080370" cy="369332"/>
+          </a:xfrm>
+          <a:prstGeom prst="rect">
+            <a:avLst/>
+          </a:prstGeom>
+          <a:noFill/>
+        </p:spPr>
+        <p:txBody>
+          <a:bodyPr wrap="square" rtlCol="0">
+            <a:spAutoFit/>
+          </a:bodyPr>
+          <a:lstStyle/>
+          <a:p>
+            <a:r>
+              <a:rPr lang="de-DE" dirty="0"/>
+              <a:t>30</a:t>
+            </a:r>
+          </a:p>
+        </p:txBody>
+      </p:sp>
+      <p:sp>
+        <p:nvSpPr>
+          <p:cNvPr id="46" name="Textfeld 45">
+            <a:extLst>
+              <a:ext uri="{FF2B5EF4-FFF2-40B4-BE49-F238E27FC236}">
+                <a16:creationId xmlns:a16="http://schemas.microsoft.com/office/drawing/2014/main" id="{69BA25DF-14E6-ECD8-CB64-DBBA075000F1}"/>
+              </a:ext>
+            </a:extLst>
+          </p:cNvPr>
+          <p:cNvSpPr txBox="1"/>
+          <p:nvPr/>
+        </p:nvSpPr>
+        <p:spPr>
+          <a:xfrm>
+            <a:off x="10430574" y="4975661"/>
+            <a:ext cx="1333483" cy="369332"/>
+          </a:xfrm>
+          <a:prstGeom prst="rect">
+            <a:avLst/>
+          </a:prstGeom>
+          <a:noFill/>
+        </p:spPr>
+        <p:txBody>
+          <a:bodyPr wrap="square" rtlCol="0">
+            <a:spAutoFit/>
+          </a:bodyPr>
+          <a:lstStyle/>
+          <a:p>
+            <a:r>
+              <a:rPr lang="de-DE" dirty="0"/>
+              <a:t>35</a:t>
+            </a:r>
+          </a:p>
+        </p:txBody>
+      </p:sp>
+      <p:sp>
+        <p:nvSpPr>
+          <p:cNvPr id="47" name="Textfeld 46">
+            <a:extLst>
+              <a:ext uri="{FF2B5EF4-FFF2-40B4-BE49-F238E27FC236}">
+                <a16:creationId xmlns:a16="http://schemas.microsoft.com/office/drawing/2014/main" id="{13FD68D1-5F33-AF9C-B2BE-D0ACB8FEAECE}"/>
+              </a:ext>
+            </a:extLst>
+          </p:cNvPr>
+          <p:cNvSpPr txBox="1"/>
+          <p:nvPr/>
+        </p:nvSpPr>
+        <p:spPr>
+          <a:xfrm>
+            <a:off x="9361473" y="5366844"/>
+            <a:ext cx="442109" cy="369332"/>
+          </a:xfrm>
+          <a:prstGeom prst="rect">
+            <a:avLst/>
+          </a:prstGeom>
+          <a:noFill/>
+        </p:spPr>
+        <p:txBody>
+          <a:bodyPr wrap="square" rtlCol="0">
+            <a:spAutoFit/>
+          </a:bodyPr>
+          <a:lstStyle/>
+          <a:p>
+            <a:r>
+              <a:rPr lang="de-DE" dirty="0"/>
+              <a:t>20</a:t>
+            </a:r>
+          </a:p>
+        </p:txBody>
+      </p:sp>
+      <p:sp>
+        <p:nvSpPr>
+          <p:cNvPr id="48" name="Textfeld 47">
+            <a:extLst>
+              <a:ext uri="{FF2B5EF4-FFF2-40B4-BE49-F238E27FC236}">
+                <a16:creationId xmlns:a16="http://schemas.microsoft.com/office/drawing/2014/main" id="{B909F898-97EA-29A8-220A-9B56A7922FF9}"/>
+              </a:ext>
+            </a:extLst>
+          </p:cNvPr>
+          <p:cNvSpPr txBox="1"/>
+          <p:nvPr/>
+        </p:nvSpPr>
+        <p:spPr>
+          <a:xfrm>
+            <a:off x="10430573" y="5378739"/>
+            <a:ext cx="1333483" cy="369332"/>
+          </a:xfrm>
+          <a:prstGeom prst="rect">
+            <a:avLst/>
+          </a:prstGeom>
+          <a:noFill/>
+        </p:spPr>
+        <p:txBody>
+          <a:bodyPr wrap="square" rtlCol="0">
+            <a:spAutoFit/>
+          </a:bodyPr>
+          <a:lstStyle/>
+          <a:p>
+            <a:r>
+              <a:rPr lang="de-DE" dirty="0"/>
+              <a:t>40</a:t>
+            </a:r>
+          </a:p>
+        </p:txBody>
+      </p:sp>
+      <p:sp>
+        <p:nvSpPr>
+          <p:cNvPr id="49" name="Textfeld 48">
+            <a:extLst>
+              <a:ext uri="{FF2B5EF4-FFF2-40B4-BE49-F238E27FC236}">
+                <a16:creationId xmlns:a16="http://schemas.microsoft.com/office/drawing/2014/main" id="{D1126647-3FBE-5589-EFC0-6C0545EC4F3A}"/>
+              </a:ext>
+            </a:extLst>
+          </p:cNvPr>
+          <p:cNvSpPr txBox="1"/>
+          <p:nvPr/>
+        </p:nvSpPr>
+        <p:spPr>
+          <a:xfrm>
+            <a:off x="9247204" y="2593064"/>
+            <a:ext cx="666977" cy="369332"/>
+          </a:xfrm>
+          <a:prstGeom prst="rect">
+            <a:avLst/>
+          </a:prstGeom>
+          <a:noFill/>
+        </p:spPr>
+        <p:txBody>
+          <a:bodyPr wrap="none" rtlCol="0">
+            <a:spAutoFit/>
+          </a:bodyPr>
+          <a:lstStyle/>
+          <a:p>
+            <a:r>
+              <a:rPr lang="de-DE" dirty="0"/>
+              <a:t>Level</a:t>
+            </a:r>
+          </a:p>
+        </p:txBody>
+      </p:sp>
+      <p:sp>
+        <p:nvSpPr>
+          <p:cNvPr id="50" name="Textfeld 49">
+            <a:extLst>
+              <a:ext uri="{FF2B5EF4-FFF2-40B4-BE49-F238E27FC236}">
+                <a16:creationId xmlns:a16="http://schemas.microsoft.com/office/drawing/2014/main" id="{5D011BC5-FF52-806D-A833-A56C93A5B6BD}"/>
+              </a:ext>
+            </a:extLst>
+          </p:cNvPr>
+          <p:cNvSpPr txBox="1"/>
+          <p:nvPr/>
+        </p:nvSpPr>
+        <p:spPr>
+          <a:xfrm>
+            <a:off x="10257471" y="2593064"/>
+            <a:ext cx="839845" cy="369332"/>
+          </a:xfrm>
+          <a:prstGeom prst="rect">
+            <a:avLst/>
+          </a:prstGeom>
+          <a:noFill/>
+        </p:spPr>
+        <p:txBody>
+          <a:bodyPr wrap="none" rtlCol="0">
+            <a:spAutoFit/>
+          </a:bodyPr>
+          <a:lstStyle/>
+          <a:p>
+            <a:r>
+              <a:rPr lang="de-DE" dirty="0"/>
+              <a:t>Punkte</a:t>
+            </a:r>
+          </a:p>
+        </p:txBody>
+      </p:sp>
+      <p:sp>
+        <p:nvSpPr>
+          <p:cNvPr id="52" name="Textfeld 51">
+            <a:extLst>
+              <a:ext uri="{FF2B5EF4-FFF2-40B4-BE49-F238E27FC236}">
+                <a16:creationId xmlns:a16="http://schemas.microsoft.com/office/drawing/2014/main" id="{4D951F06-6A60-F921-2010-8A4E27310DE1}"/>
+              </a:ext>
+            </a:extLst>
+          </p:cNvPr>
+          <p:cNvSpPr txBox="1"/>
+          <p:nvPr/>
+        </p:nvSpPr>
+        <p:spPr>
+          <a:xfrm>
+            <a:off x="10442046" y="5769760"/>
+            <a:ext cx="1137732" cy="369332"/>
+          </a:xfrm>
+          <a:prstGeom prst="rect">
+            <a:avLst/>
+          </a:prstGeom>
+          <a:noFill/>
+        </p:spPr>
+        <p:txBody>
+          <a:bodyPr wrap="square" rtlCol="0">
+            <a:spAutoFit/>
+          </a:bodyPr>
+          <a:lstStyle/>
+          <a:p>
+            <a:r>
+              <a:rPr lang="de-DE" dirty="0"/>
+              <a:t>50</a:t>
+            </a:r>
+          </a:p>
+        </p:txBody>
+      </p:sp>
+      <p:sp>
+        <p:nvSpPr>
+          <p:cNvPr id="53" name="Textfeld 52">
+            <a:extLst>
+              <a:ext uri="{FF2B5EF4-FFF2-40B4-BE49-F238E27FC236}">
+                <a16:creationId xmlns:a16="http://schemas.microsoft.com/office/drawing/2014/main" id="{950FD346-D0B3-D6BF-BDB4-0AEAEFE4FA11}"/>
+              </a:ext>
+            </a:extLst>
+          </p:cNvPr>
+          <p:cNvSpPr txBox="1"/>
+          <p:nvPr/>
+        </p:nvSpPr>
+        <p:spPr>
+          <a:xfrm>
+            <a:off x="9359639" y="5761771"/>
+            <a:ext cx="540599" cy="369332"/>
+          </a:xfrm>
+          <a:prstGeom prst="rect">
+            <a:avLst/>
+          </a:prstGeom>
+          <a:noFill/>
+        </p:spPr>
+        <p:txBody>
+          <a:bodyPr wrap="square" rtlCol="0">
+            <a:spAutoFit/>
+          </a:bodyPr>
+          <a:lstStyle/>
+          <a:p>
+            <a:r>
+              <a:rPr lang="de-DE" dirty="0"/>
+              <a:t>30</a:t>
+            </a:r>
+          </a:p>
+        </p:txBody>
+      </p:sp>
+      <p:sp>
+        <p:nvSpPr>
+          <p:cNvPr id="54" name="Textfeld 53">
+            <a:extLst>
+              <a:ext uri="{FF2B5EF4-FFF2-40B4-BE49-F238E27FC236}">
+                <a16:creationId xmlns:a16="http://schemas.microsoft.com/office/drawing/2014/main" id="{73C60905-D101-850E-060F-3894BC8BCF9A}"/>
+              </a:ext>
+            </a:extLst>
+          </p:cNvPr>
+          <p:cNvSpPr txBox="1"/>
+          <p:nvPr/>
+        </p:nvSpPr>
+        <p:spPr>
+          <a:xfrm>
+            <a:off x="9359639" y="4513095"/>
+            <a:ext cx="442109" cy="369332"/>
+          </a:xfrm>
+          <a:prstGeom prst="rect">
+            <a:avLst/>
+          </a:prstGeom>
+          <a:noFill/>
+        </p:spPr>
+        <p:txBody>
+          <a:bodyPr wrap="square" rtlCol="0">
+            <a:spAutoFit/>
+          </a:bodyPr>
+          <a:lstStyle/>
+          <a:p>
+            <a:r>
+              <a:rPr lang="de-DE" dirty="0"/>
+              <a:t>10</a:t>
+            </a:r>
+          </a:p>
+        </p:txBody>
+      </p:sp>
+      <p:sp>
+        <p:nvSpPr>
+          <p:cNvPr id="55" name="Textfeld 54">
+            <a:extLst>
+              <a:ext uri="{FF2B5EF4-FFF2-40B4-BE49-F238E27FC236}">
+                <a16:creationId xmlns:a16="http://schemas.microsoft.com/office/drawing/2014/main" id="{30BEFBD6-5FF4-0795-E1D3-18B1C9ECFC0D}"/>
+              </a:ext>
+            </a:extLst>
+          </p:cNvPr>
+          <p:cNvSpPr txBox="1"/>
+          <p:nvPr/>
+        </p:nvSpPr>
+        <p:spPr>
+          <a:xfrm>
+            <a:off x="9373423" y="6139092"/>
+            <a:ext cx="540599" cy="369332"/>
+          </a:xfrm>
+          <a:prstGeom prst="rect">
+            <a:avLst/>
+          </a:prstGeom>
+          <a:noFill/>
+        </p:spPr>
+        <p:txBody>
+          <a:bodyPr wrap="square" rtlCol="0">
+            <a:spAutoFit/>
+          </a:bodyPr>
+          <a:lstStyle/>
+          <a:p>
+            <a:r>
+              <a:rPr lang="de-DE" dirty="0"/>
+              <a:t>40</a:t>
+            </a:r>
+          </a:p>
+        </p:txBody>
+      </p:sp>
+      <p:pic>
+        <p:nvPicPr>
+          <p:cNvPr id="57" name="Grafik 56">
+            <a:extLst>
+              <a:ext uri="{FF2B5EF4-FFF2-40B4-BE49-F238E27FC236}">
+                <a16:creationId xmlns:a16="http://schemas.microsoft.com/office/drawing/2014/main" id="{2E05916B-45B0-2CFA-3A7C-245B9F6A98B3}"/>
+              </a:ext>
+            </a:extLst>
+          </p:cNvPr>
+          <p:cNvPicPr>
+            <a:picLocks noChangeAspect="1"/>
+          </p:cNvPicPr>
+          <p:nvPr/>
+        </p:nvPicPr>
+        <p:blipFill>
+          <a:blip r:embed="rId3"/>
+          <a:stretch>
+            <a:fillRect/>
+          </a:stretch>
+        </p:blipFill>
+        <p:spPr>
+          <a:xfrm>
+            <a:off x="8774337" y="1138534"/>
+            <a:ext cx="2746567" cy="588550"/>
+          </a:xfrm>
+          <a:prstGeom prst="rect">
+            <a:avLst/>
+          </a:prstGeom>
+        </p:spPr>
+      </p:pic>
+      <p:sp>
+        <p:nvSpPr>
+          <p:cNvPr id="58" name="Textfeld 57">
+            <a:extLst>
+              <a:ext uri="{FF2B5EF4-FFF2-40B4-BE49-F238E27FC236}">
+                <a16:creationId xmlns:a16="http://schemas.microsoft.com/office/drawing/2014/main" id="{7F825D79-08AA-6B75-70A7-AAE05FC26196}"/>
+              </a:ext>
+            </a:extLst>
+          </p:cNvPr>
+          <p:cNvSpPr txBox="1"/>
+          <p:nvPr/>
+        </p:nvSpPr>
+        <p:spPr>
+          <a:xfrm>
+            <a:off x="8312812" y="1674481"/>
+            <a:ext cx="3641703" cy="923330"/>
+          </a:xfrm>
+          <a:prstGeom prst="rect">
+            <a:avLst/>
+          </a:prstGeom>
+          <a:noFill/>
+        </p:spPr>
+        <p:txBody>
+          <a:bodyPr wrap="none" rtlCol="0">
+            <a:spAutoFit/>
+          </a:bodyPr>
+          <a:lstStyle/>
+          <a:p>
+            <a:r>
+              <a:rPr lang="de-DE" dirty="0"/>
+              <a:t>Ermittlung der Punkte</a:t>
+            </a:r>
+          </a:p>
+          <a:p>
+            <a:r>
+              <a:rPr lang="de-DE" dirty="0"/>
+              <a:t> bis zum nächsten Level:</a:t>
+            </a:r>
+          </a:p>
+          <a:p>
+            <a:r>
+              <a:rPr lang="de-DE" dirty="0"/>
+              <a:t>q(Level)= Punkte zum nächsten Level</a:t>
+            </a:r>
+          </a:p>
+        </p:txBody>
+      </p:sp>
+      <p:sp>
+        <p:nvSpPr>
+          <p:cNvPr id="59" name="Textfeld 58">
+            <a:extLst>
+              <a:ext uri="{FF2B5EF4-FFF2-40B4-BE49-F238E27FC236}">
+                <a16:creationId xmlns:a16="http://schemas.microsoft.com/office/drawing/2014/main" id="{8E6D7CC9-5569-0778-8797-303737FD7222}"/>
+              </a:ext>
+            </a:extLst>
+          </p:cNvPr>
+          <p:cNvSpPr txBox="1"/>
+          <p:nvPr/>
+        </p:nvSpPr>
+        <p:spPr>
+          <a:xfrm>
+            <a:off x="10430950" y="6169878"/>
+            <a:ext cx="1137732" cy="369332"/>
+          </a:xfrm>
+          <a:prstGeom prst="rect">
+            <a:avLst/>
+          </a:prstGeom>
+          <a:noFill/>
+        </p:spPr>
+        <p:txBody>
+          <a:bodyPr wrap="square" rtlCol="0">
+            <a:spAutoFit/>
+          </a:bodyPr>
+          <a:lstStyle/>
+          <a:p>
+            <a:r>
+              <a:rPr lang="de-DE" dirty="0"/>
+              <a:t>60</a:t>
+            </a:r>
+          </a:p>
+        </p:txBody>
+      </p:sp>
+      <p:sp>
+        <p:nvSpPr>
+          <p:cNvPr id="60" name="Rahmen 59">
+            <a:extLst>
+              <a:ext uri="{FF2B5EF4-FFF2-40B4-BE49-F238E27FC236}">
+                <a16:creationId xmlns:a16="http://schemas.microsoft.com/office/drawing/2014/main" id="{8AC27CFA-CAFE-7E45-3D88-4A76F45D81E4}"/>
+              </a:ext>
+            </a:extLst>
+          </p:cNvPr>
+          <p:cNvSpPr/>
+          <p:nvPr/>
+        </p:nvSpPr>
+        <p:spPr>
+          <a:xfrm>
+            <a:off x="8270230" y="0"/>
+            <a:ext cx="3908874" cy="6858000"/>
+          </a:xfrm>
+          <a:prstGeom prst="frame">
+            <a:avLst>
+              <a:gd name="adj1" fmla="val 2240"/>
+            </a:avLst>
+          </a:prstGeom>
+        </p:spPr>
+        <p:style>
+          <a:lnRef idx="2">
+            <a:schemeClr val="accent1">
+              <a:shade val="50000"/>
+            </a:schemeClr>
+          </a:lnRef>
+          <a:fillRef idx="1">
+            <a:schemeClr val="accent1"/>
+          </a:fillRef>
+          <a:effectRef idx="0">
+            <a:schemeClr val="accent1"/>
+          </a:effectRef>
+          <a:fontRef idx="minor">
+            <a:schemeClr val="lt1"/>
+          </a:fontRef>
+        </p:style>
+        <p:txBody>
+          <a:bodyPr rtlCol="0" anchor="ctr"/>
+          <a:lstStyle/>
+          <a:p>
+            <a:pPr algn="ctr"/>
+            <a:endParaRPr lang="de-DE">
+              <a:solidFill>
+                <a:schemeClr val="tx1"/>
+              </a:solidFill>
+            </a:endParaRPr>
           </a:p>
         </p:txBody>
       </p:sp>

--- a/data/Streak and points.pptx
+++ b/data/Streak and points.pptx
@@ -268,7 +268,7 @@
           <a:p>
             <a:fld id="{A6AB4D78-74BC-4E3A-8EA9-48CB6138A3C2}" type="datetimeFigureOut">
               <a:rPr lang="de-DE" smtClean="0"/>
-              <a:t>29.10.2022</a:t>
+              <a:t>30.10.2022</a:t>
             </a:fld>
             <a:endParaRPr lang="de-DE"/>
           </a:p>
@@ -466,7 +466,7 @@
           <a:p>
             <a:fld id="{A6AB4D78-74BC-4E3A-8EA9-48CB6138A3C2}" type="datetimeFigureOut">
               <a:rPr lang="de-DE" smtClean="0"/>
-              <a:t>29.10.2022</a:t>
+              <a:t>30.10.2022</a:t>
             </a:fld>
             <a:endParaRPr lang="de-DE"/>
           </a:p>
@@ -674,7 +674,7 @@
           <a:p>
             <a:fld id="{A6AB4D78-74BC-4E3A-8EA9-48CB6138A3C2}" type="datetimeFigureOut">
               <a:rPr lang="de-DE" smtClean="0"/>
-              <a:t>29.10.2022</a:t>
+              <a:t>30.10.2022</a:t>
             </a:fld>
             <a:endParaRPr lang="de-DE"/>
           </a:p>
@@ -872,7 +872,7 @@
           <a:p>
             <a:fld id="{A6AB4D78-74BC-4E3A-8EA9-48CB6138A3C2}" type="datetimeFigureOut">
               <a:rPr lang="de-DE" smtClean="0"/>
-              <a:t>29.10.2022</a:t>
+              <a:t>30.10.2022</a:t>
             </a:fld>
             <a:endParaRPr lang="de-DE"/>
           </a:p>
@@ -1147,7 +1147,7 @@
           <a:p>
             <a:fld id="{A6AB4D78-74BC-4E3A-8EA9-48CB6138A3C2}" type="datetimeFigureOut">
               <a:rPr lang="de-DE" smtClean="0"/>
-              <a:t>29.10.2022</a:t>
+              <a:t>30.10.2022</a:t>
             </a:fld>
             <a:endParaRPr lang="de-DE"/>
           </a:p>
@@ -1412,7 +1412,7 @@
           <a:p>
             <a:fld id="{A6AB4D78-74BC-4E3A-8EA9-48CB6138A3C2}" type="datetimeFigureOut">
               <a:rPr lang="de-DE" smtClean="0"/>
-              <a:t>29.10.2022</a:t>
+              <a:t>30.10.2022</a:t>
             </a:fld>
             <a:endParaRPr lang="de-DE"/>
           </a:p>
@@ -1824,7 +1824,7 @@
           <a:p>
             <a:fld id="{A6AB4D78-74BC-4E3A-8EA9-48CB6138A3C2}" type="datetimeFigureOut">
               <a:rPr lang="de-DE" smtClean="0"/>
-              <a:t>29.10.2022</a:t>
+              <a:t>30.10.2022</a:t>
             </a:fld>
             <a:endParaRPr lang="de-DE"/>
           </a:p>
@@ -1965,7 +1965,7 @@
           <a:p>
             <a:fld id="{A6AB4D78-74BC-4E3A-8EA9-48CB6138A3C2}" type="datetimeFigureOut">
               <a:rPr lang="de-DE" smtClean="0"/>
-              <a:t>29.10.2022</a:t>
+              <a:t>30.10.2022</a:t>
             </a:fld>
             <a:endParaRPr lang="de-DE"/>
           </a:p>
@@ -2078,7 +2078,7 @@
           <a:p>
             <a:fld id="{A6AB4D78-74BC-4E3A-8EA9-48CB6138A3C2}" type="datetimeFigureOut">
               <a:rPr lang="de-DE" smtClean="0"/>
-              <a:t>29.10.2022</a:t>
+              <a:t>30.10.2022</a:t>
             </a:fld>
             <a:endParaRPr lang="de-DE"/>
           </a:p>
@@ -2389,7 +2389,7 @@
           <a:p>
             <a:fld id="{A6AB4D78-74BC-4E3A-8EA9-48CB6138A3C2}" type="datetimeFigureOut">
               <a:rPr lang="de-DE" smtClean="0"/>
-              <a:t>29.10.2022</a:t>
+              <a:t>30.10.2022</a:t>
             </a:fld>
             <a:endParaRPr lang="de-DE"/>
           </a:p>
@@ -2677,7 +2677,7 @@
           <a:p>
             <a:fld id="{A6AB4D78-74BC-4E3A-8EA9-48CB6138A3C2}" type="datetimeFigureOut">
               <a:rPr lang="de-DE" smtClean="0"/>
-              <a:t>29.10.2022</a:t>
+              <a:t>30.10.2022</a:t>
             </a:fld>
             <a:endParaRPr lang="de-DE"/>
           </a:p>
@@ -2918,7 +2918,7 @@
           <a:p>
             <a:fld id="{A6AB4D78-74BC-4E3A-8EA9-48CB6138A3C2}" type="datetimeFigureOut">
               <a:rPr lang="de-DE" smtClean="0"/>
-              <a:t>29.10.2022</a:t>
+              <a:t>30.10.2022</a:t>
             </a:fld>
             <a:endParaRPr lang="de-DE"/>
           </a:p>
